--- a/resources/wireframes/view-bands/view-bands.pptx
+++ b/resources/wireframes/view-bands/view-bands.pptx
@@ -260,7 +260,7 @@
           <a:p>
             <a:fld id="{00503AC3-BD1B-42A9-8DAE-5CE5C9024CDD}" type="datetimeFigureOut">
               <a:rPr lang="en-US" smtClean="0"/>
-              <a:t>10/12/2018</a:t>
+              <a:t>10/21/2018</a:t>
             </a:fld>
             <a:endParaRPr lang="en-US"/>
           </a:p>
@@ -458,7 +458,7 @@
           <a:p>
             <a:fld id="{00503AC3-BD1B-42A9-8DAE-5CE5C9024CDD}" type="datetimeFigureOut">
               <a:rPr lang="en-US" smtClean="0"/>
-              <a:t>10/12/2018</a:t>
+              <a:t>10/21/2018</a:t>
             </a:fld>
             <a:endParaRPr lang="en-US"/>
           </a:p>
@@ -666,7 +666,7 @@
           <a:p>
             <a:fld id="{00503AC3-BD1B-42A9-8DAE-5CE5C9024CDD}" type="datetimeFigureOut">
               <a:rPr lang="en-US" smtClean="0"/>
-              <a:t>10/12/2018</a:t>
+              <a:t>10/21/2018</a:t>
             </a:fld>
             <a:endParaRPr lang="en-US"/>
           </a:p>
@@ -864,7 +864,7 @@
           <a:p>
             <a:fld id="{00503AC3-BD1B-42A9-8DAE-5CE5C9024CDD}" type="datetimeFigureOut">
               <a:rPr lang="en-US" smtClean="0"/>
-              <a:t>10/12/2018</a:t>
+              <a:t>10/21/2018</a:t>
             </a:fld>
             <a:endParaRPr lang="en-US"/>
           </a:p>
@@ -1139,7 +1139,7 @@
           <a:p>
             <a:fld id="{00503AC3-BD1B-42A9-8DAE-5CE5C9024CDD}" type="datetimeFigureOut">
               <a:rPr lang="en-US" smtClean="0"/>
-              <a:t>10/12/2018</a:t>
+              <a:t>10/21/2018</a:t>
             </a:fld>
             <a:endParaRPr lang="en-US"/>
           </a:p>
@@ -1404,7 +1404,7 @@
           <a:p>
             <a:fld id="{00503AC3-BD1B-42A9-8DAE-5CE5C9024CDD}" type="datetimeFigureOut">
               <a:rPr lang="en-US" smtClean="0"/>
-              <a:t>10/12/2018</a:t>
+              <a:t>10/21/2018</a:t>
             </a:fld>
             <a:endParaRPr lang="en-US"/>
           </a:p>
@@ -1816,7 +1816,7 @@
           <a:p>
             <a:fld id="{00503AC3-BD1B-42A9-8DAE-5CE5C9024CDD}" type="datetimeFigureOut">
               <a:rPr lang="en-US" smtClean="0"/>
-              <a:t>10/12/2018</a:t>
+              <a:t>10/21/2018</a:t>
             </a:fld>
             <a:endParaRPr lang="en-US"/>
           </a:p>
@@ -1957,7 +1957,7 @@
           <a:p>
             <a:fld id="{00503AC3-BD1B-42A9-8DAE-5CE5C9024CDD}" type="datetimeFigureOut">
               <a:rPr lang="en-US" smtClean="0"/>
-              <a:t>10/12/2018</a:t>
+              <a:t>10/21/2018</a:t>
             </a:fld>
             <a:endParaRPr lang="en-US"/>
           </a:p>
@@ -2070,7 +2070,7 @@
           <a:p>
             <a:fld id="{00503AC3-BD1B-42A9-8DAE-5CE5C9024CDD}" type="datetimeFigureOut">
               <a:rPr lang="en-US" smtClean="0"/>
-              <a:t>10/12/2018</a:t>
+              <a:t>10/21/2018</a:t>
             </a:fld>
             <a:endParaRPr lang="en-US"/>
           </a:p>
@@ -2381,7 +2381,7 @@
           <a:p>
             <a:fld id="{00503AC3-BD1B-42A9-8DAE-5CE5C9024CDD}" type="datetimeFigureOut">
               <a:rPr lang="en-US" smtClean="0"/>
-              <a:t>10/12/2018</a:t>
+              <a:t>10/21/2018</a:t>
             </a:fld>
             <a:endParaRPr lang="en-US"/>
           </a:p>
@@ -2669,7 +2669,7 @@
           <a:p>
             <a:fld id="{00503AC3-BD1B-42A9-8DAE-5CE5C9024CDD}" type="datetimeFigureOut">
               <a:rPr lang="en-US" smtClean="0"/>
-              <a:t>10/12/2018</a:t>
+              <a:t>10/21/2018</a:t>
             </a:fld>
             <a:endParaRPr lang="en-US"/>
           </a:p>
@@ -2910,7 +2910,7 @@
           <a:p>
             <a:fld id="{00503AC3-BD1B-42A9-8DAE-5CE5C9024CDD}" type="datetimeFigureOut">
               <a:rPr lang="en-US" smtClean="0"/>
-              <a:t>10/12/2018</a:t>
+              <a:t>10/21/2018</a:t>
             </a:fld>
             <a:endParaRPr lang="en-US"/>
           </a:p>
@@ -3349,8 +3349,8 @@
         </p:nvSpPr>
         <p:spPr>
           <a:xfrm>
-            <a:off x="4781726" y="629174"/>
-            <a:ext cx="7038363" cy="2799826"/>
+            <a:off x="6580950" y="629174"/>
+            <a:ext cx="5239139" cy="2799826"/>
           </a:xfrm>
           <a:prstGeom prst="rect">
             <a:avLst/>
@@ -4691,7 +4691,7 @@
         <p:spPr>
           <a:xfrm>
             <a:off x="7588665" y="629174"/>
-            <a:ext cx="3708875" cy="4216292"/>
+            <a:ext cx="3708875" cy="3293346"/>
           </a:xfrm>
           <a:prstGeom prst="rect">
             <a:avLst/>
@@ -4756,7 +4756,7 @@
         </p:blipFill>
         <p:spPr>
           <a:xfrm>
-            <a:off x="8776112" y="1864845"/>
+            <a:off x="4059546" y="1785372"/>
             <a:ext cx="1087580" cy="1087580"/>
           </a:xfrm>
           <a:prstGeom prst="rect">
@@ -4839,7 +4839,7 @@
         </p:blipFill>
         <p:spPr>
           <a:xfrm>
-            <a:off x="7742489" y="3390851"/>
+            <a:off x="8365511" y="2089355"/>
             <a:ext cx="276999" cy="276999"/>
           </a:xfrm>
           <a:prstGeom prst="rect">
@@ -4951,7 +4951,7 @@
         </p:nvSpPr>
         <p:spPr>
           <a:xfrm>
-            <a:off x="7674315" y="3061087"/>
+            <a:off x="2426026" y="879677"/>
             <a:ext cx="4999839" cy="307777"/>
           </a:xfrm>
           <a:prstGeom prst="rect">
@@ -4993,7 +4993,7 @@
         </p:nvSpPr>
         <p:spPr>
           <a:xfrm>
-            <a:off x="8019675" y="3390851"/>
+            <a:off x="8739240" y="2078917"/>
             <a:ext cx="4999839" cy="276999"/>
           </a:xfrm>
           <a:prstGeom prst="rect">
@@ -5052,7 +5052,7 @@
         </p:blipFill>
         <p:spPr>
           <a:xfrm>
-            <a:off x="7788304" y="3760446"/>
+            <a:off x="8365512" y="2511860"/>
             <a:ext cx="276999" cy="276999"/>
           </a:xfrm>
           <a:prstGeom prst="rect">
@@ -5074,7 +5074,7 @@
         </p:nvSpPr>
         <p:spPr>
           <a:xfrm>
-            <a:off x="8019487" y="3760446"/>
+            <a:off x="8749769" y="2508820"/>
             <a:ext cx="4999839" cy="276999"/>
           </a:xfrm>
           <a:prstGeom prst="rect">
@@ -5116,7 +5116,7 @@
         </p:nvSpPr>
         <p:spPr>
           <a:xfrm>
-            <a:off x="8588875" y="4262661"/>
+            <a:off x="8588876" y="3360590"/>
             <a:ext cx="1585359" cy="357588"/>
           </a:xfrm>
           <a:prstGeom prst="rect">
@@ -5195,7 +5195,7 @@
         </p:blipFill>
         <p:spPr>
           <a:xfrm>
-            <a:off x="9886591" y="4317630"/>
+            <a:off x="9840934" y="3443400"/>
             <a:ext cx="247650" cy="247650"/>
           </a:xfrm>
           <a:prstGeom prst="rect">
